--- a/study/1_data_structure/stack.pptx
+++ b/study/1_data_structure/stack.pptx
@@ -266,7 +266,7 @@
           <a:p>
             <a:fld id="{2C286CE8-83D7-411A-BC70-C40C6700F1AF}" type="datetimeFigureOut">
               <a:rPr lang="ko-KR" altLang="en-US" smtClean="0"/>
-              <a:t>2025-06-21</a:t>
+              <a:t>2025-07-02</a:t>
             </a:fld>
             <a:endParaRPr lang="ko-KR" altLang="en-US"/>
           </a:p>
@@ -464,7 +464,7 @@
           <a:p>
             <a:fld id="{2C286CE8-83D7-411A-BC70-C40C6700F1AF}" type="datetimeFigureOut">
               <a:rPr lang="ko-KR" altLang="en-US" smtClean="0"/>
-              <a:t>2025-06-21</a:t>
+              <a:t>2025-07-02</a:t>
             </a:fld>
             <a:endParaRPr lang="ko-KR" altLang="en-US"/>
           </a:p>
@@ -672,7 +672,7 @@
           <a:p>
             <a:fld id="{2C286CE8-83D7-411A-BC70-C40C6700F1AF}" type="datetimeFigureOut">
               <a:rPr lang="ko-KR" altLang="en-US" smtClean="0"/>
-              <a:t>2025-06-21</a:t>
+              <a:t>2025-07-02</a:t>
             </a:fld>
             <a:endParaRPr lang="ko-KR" altLang="en-US"/>
           </a:p>
@@ -870,7 +870,7 @@
           <a:p>
             <a:fld id="{2C286CE8-83D7-411A-BC70-C40C6700F1AF}" type="datetimeFigureOut">
               <a:rPr lang="ko-KR" altLang="en-US" smtClean="0"/>
-              <a:t>2025-06-21</a:t>
+              <a:t>2025-07-02</a:t>
             </a:fld>
             <a:endParaRPr lang="ko-KR" altLang="en-US"/>
           </a:p>
@@ -1145,7 +1145,7 @@
           <a:p>
             <a:fld id="{2C286CE8-83D7-411A-BC70-C40C6700F1AF}" type="datetimeFigureOut">
               <a:rPr lang="ko-KR" altLang="en-US" smtClean="0"/>
-              <a:t>2025-06-21</a:t>
+              <a:t>2025-07-02</a:t>
             </a:fld>
             <a:endParaRPr lang="ko-KR" altLang="en-US"/>
           </a:p>
@@ -1410,7 +1410,7 @@
           <a:p>
             <a:fld id="{2C286CE8-83D7-411A-BC70-C40C6700F1AF}" type="datetimeFigureOut">
               <a:rPr lang="ko-KR" altLang="en-US" smtClean="0"/>
-              <a:t>2025-06-21</a:t>
+              <a:t>2025-07-02</a:t>
             </a:fld>
             <a:endParaRPr lang="ko-KR" altLang="en-US"/>
           </a:p>
@@ -1822,7 +1822,7 @@
           <a:p>
             <a:fld id="{2C286CE8-83D7-411A-BC70-C40C6700F1AF}" type="datetimeFigureOut">
               <a:rPr lang="ko-KR" altLang="en-US" smtClean="0"/>
-              <a:t>2025-06-21</a:t>
+              <a:t>2025-07-02</a:t>
             </a:fld>
             <a:endParaRPr lang="ko-KR" altLang="en-US"/>
           </a:p>
@@ -1963,7 +1963,7 @@
           <a:p>
             <a:fld id="{2C286CE8-83D7-411A-BC70-C40C6700F1AF}" type="datetimeFigureOut">
               <a:rPr lang="ko-KR" altLang="en-US" smtClean="0"/>
-              <a:t>2025-06-21</a:t>
+              <a:t>2025-07-02</a:t>
             </a:fld>
             <a:endParaRPr lang="ko-KR" altLang="en-US"/>
           </a:p>
@@ -2076,7 +2076,7 @@
           <a:p>
             <a:fld id="{2C286CE8-83D7-411A-BC70-C40C6700F1AF}" type="datetimeFigureOut">
               <a:rPr lang="ko-KR" altLang="en-US" smtClean="0"/>
-              <a:t>2025-06-21</a:t>
+              <a:t>2025-07-02</a:t>
             </a:fld>
             <a:endParaRPr lang="ko-KR" altLang="en-US"/>
           </a:p>
@@ -2387,7 +2387,7 @@
           <a:p>
             <a:fld id="{2C286CE8-83D7-411A-BC70-C40C6700F1AF}" type="datetimeFigureOut">
               <a:rPr lang="ko-KR" altLang="en-US" smtClean="0"/>
-              <a:t>2025-06-21</a:t>
+              <a:t>2025-07-02</a:t>
             </a:fld>
             <a:endParaRPr lang="ko-KR" altLang="en-US"/>
           </a:p>
@@ -2675,7 +2675,7 @@
           <a:p>
             <a:fld id="{2C286CE8-83D7-411A-BC70-C40C6700F1AF}" type="datetimeFigureOut">
               <a:rPr lang="ko-KR" altLang="en-US" smtClean="0"/>
-              <a:t>2025-06-21</a:t>
+              <a:t>2025-07-02</a:t>
             </a:fld>
             <a:endParaRPr lang="ko-KR" altLang="en-US"/>
           </a:p>
@@ -2916,7 +2916,7 @@
           <a:p>
             <a:fld id="{2C286CE8-83D7-411A-BC70-C40C6700F1AF}" type="datetimeFigureOut">
               <a:rPr lang="ko-KR" altLang="en-US" smtClean="0"/>
-              <a:t>2025-06-21</a:t>
+              <a:t>2025-07-02</a:t>
             </a:fld>
             <a:endParaRPr lang="ko-KR" altLang="en-US"/>
           </a:p>
@@ -3397,6 +3397,14 @@
               <a:rPr lang="ko-KR" altLang="en-US" dirty="0"/>
               <a:t>김현지</a:t>
             </a:r>
+            <a:endParaRPr lang="en-US" altLang="ko-KR" dirty="0"/>
+          </a:p>
+          <a:p>
+            <a:r>
+              <a:rPr lang="en-US" altLang="ko-KR"/>
+              <a:t> </a:t>
+            </a:r>
+            <a:endParaRPr lang="ko-KR" altLang="en-US" dirty="0"/>
           </a:p>
         </p:txBody>
       </p:sp>
